--- a/MIDI-intro-CZ.pptx
+++ b/MIDI-intro-CZ.pptx
@@ -6345,67 +6345,6 @@
           </a:p>
         </p:txBody>
       </p:sp>
-      <p:sp>
-        <p:nvSpPr>
-          <p:cNvPr id="7" name="Title 1">
-            <a:extLst>
-              <a:ext uri="{FF2B5EF4-FFF2-40B4-BE49-F238E27FC236}">
-                <a16:creationId xmlns:a16="http://schemas.microsoft.com/office/drawing/2014/main" id="{8FF71E34-5D32-1347-8CA0-366D81113747}"/>
-              </a:ext>
-            </a:extLst>
-          </p:cNvPr>
-          <p:cNvSpPr txBox="1">
-            <a:spLocks/>
-          </p:cNvSpPr>
-          <p:nvPr/>
-        </p:nvSpPr>
-        <p:spPr>
-          <a:xfrm>
-            <a:off x="1097280" y="4504944"/>
-            <a:ext cx="10058400" cy="932688"/>
-          </a:xfrm>
-          <a:prstGeom prst="rect">
-            <a:avLst/>
-          </a:prstGeom>
-        </p:spPr>
-        <p:txBody>
-          <a:bodyPr vert="horz" lIns="91440" tIns="45720" rIns="91440" bIns="45720" rtlCol="0" anchor="b">
-            <a:normAutofit/>
-          </a:bodyPr>
-          <a:lstStyle>
-            <a:lvl1pPr algn="l" defTabSz="914400" rtl="0" eaLnBrk="1" latinLnBrk="0" hangingPunct="1">
-              <a:lnSpc>
-                <a:spcPct val="85000"/>
-              </a:lnSpc>
-              <a:spcBef>
-                <a:spcPct val="0"/>
-              </a:spcBef>
-              <a:buNone/>
-              <a:defRPr sz="8000" kern="1200" spc="-50" baseline="0">
-                <a:solidFill>
-                  <a:schemeClr val="tx1">
-                    <a:lumMod val="85000"/>
-                    <a:lumOff val="15000"/>
-                  </a:schemeClr>
-                </a:solidFill>
-                <a:latin typeface="+mj-lt"/>
-                <a:ea typeface="+mj-ea"/>
-                <a:cs typeface="+mj-cs"/>
-              </a:defRPr>
-            </a:lvl1pPr>
-          </a:lstStyle>
-          <a:p>
-            <a:r>
-              <a:rPr lang="en-US" sz="3200" dirty="0" err="1"/>
-              <a:t>Espressif</a:t>
-            </a:r>
-            <a:r>
-              <a:rPr lang="en-US" sz="3200" dirty="0"/>
-              <a:t> Systems</a:t>
-            </a:r>
-          </a:p>
-        </p:txBody>
-      </p:sp>
       <p:pic>
         <p:nvPicPr>
           <p:cNvPr id="6146" name="Picture 2" descr="New Part Day: Espressif ESP32-S3 | Hackaday">
@@ -6455,10 +6394,10 @@
       </p:pic>
       <p:pic>
         <p:nvPicPr>
-          <p:cNvPr id="3" name="Picture 2">
+          <p:cNvPr id="4" name="Picture 3">
             <a:extLst>
               <a:ext uri="{FF2B5EF4-FFF2-40B4-BE49-F238E27FC236}">
-                <a16:creationId xmlns:a16="http://schemas.microsoft.com/office/drawing/2014/main" id="{1867AF71-1980-53AC-7C5C-BCF72F0D49C9}"/>
+                <a16:creationId xmlns:a16="http://schemas.microsoft.com/office/drawing/2014/main" id="{8BC18EF5-D232-8CC6-387E-88B460B72DE6}"/>
               </a:ext>
             </a:extLst>
           </p:cNvPr>
@@ -6475,14 +6414,87 @@
         </p:blipFill>
         <p:spPr>
           <a:xfrm>
-            <a:off x="9961826" y="4504944"/>
-            <a:ext cx="1543393" cy="1559470"/>
+            <a:off x="1177753" y="4537469"/>
+            <a:ext cx="1330928" cy="1355690"/>
           </a:xfrm>
           <a:prstGeom prst="rect">
             <a:avLst/>
           </a:prstGeom>
         </p:spPr>
       </p:pic>
+      <p:sp>
+        <p:nvSpPr>
+          <p:cNvPr id="6" name="Title 1">
+            <a:extLst>
+              <a:ext uri="{FF2B5EF4-FFF2-40B4-BE49-F238E27FC236}">
+                <a16:creationId xmlns:a16="http://schemas.microsoft.com/office/drawing/2014/main" id="{EDA40E25-3DEB-D6A0-D913-C90632F4EB12}"/>
+              </a:ext>
+            </a:extLst>
+          </p:cNvPr>
+          <p:cNvSpPr txBox="1">
+            <a:spLocks/>
+          </p:cNvSpPr>
+          <p:nvPr/>
+        </p:nvSpPr>
+        <p:spPr>
+          <a:xfrm>
+            <a:off x="1097280" y="5831115"/>
+            <a:ext cx="3093720" cy="320193"/>
+          </a:xfrm>
+          <a:prstGeom prst="rect">
+            <a:avLst/>
+          </a:prstGeom>
+        </p:spPr>
+        <p:txBody>
+          <a:bodyPr vert="horz" lIns="91440" tIns="45720" rIns="91440" bIns="45720" rtlCol="0" anchor="b">
+            <a:normAutofit/>
+          </a:bodyPr>
+          <a:lstStyle>
+            <a:lvl1pPr algn="l" defTabSz="914400" rtl="0" eaLnBrk="1" latinLnBrk="0" hangingPunct="1">
+              <a:lnSpc>
+                <a:spcPct val="85000"/>
+              </a:lnSpc>
+              <a:spcBef>
+                <a:spcPct val="0"/>
+              </a:spcBef>
+              <a:buNone/>
+              <a:defRPr sz="8000" kern="1200" spc="-50" baseline="0">
+                <a:solidFill>
+                  <a:schemeClr val="tx1">
+                    <a:lumMod val="85000"/>
+                    <a:lumOff val="15000"/>
+                  </a:schemeClr>
+                </a:solidFill>
+                <a:latin typeface="+mj-lt"/>
+                <a:ea typeface="+mj-ea"/>
+                <a:cs typeface="+mj-cs"/>
+              </a:defRPr>
+            </a:lvl1pPr>
+          </a:lstStyle>
+          <a:p>
+            <a:r>
+              <a:rPr lang="en-US" sz="1400" dirty="0"/>
+              <a:t>https://</a:t>
+            </a:r>
+            <a:r>
+              <a:rPr lang="en-US" sz="1400" dirty="0" err="1"/>
+              <a:t>github.com</a:t>
+            </a:r>
+            <a:r>
+              <a:rPr lang="en-US" sz="1400" dirty="0"/>
+              <a:t>/</a:t>
+            </a:r>
+            <a:r>
+              <a:rPr lang="en-US" sz="1400" dirty="0" err="1"/>
+              <a:t>espressif</a:t>
+            </a:r>
+            <a:r>
+              <a:rPr lang="en-US" sz="1400" dirty="0"/>
+              <a:t>/midi-workshop</a:t>
+            </a:r>
+          </a:p>
+        </p:txBody>
+      </p:sp>
     </p:spTree>
     <p:extLst>
       <p:ext uri="{BB962C8B-B14F-4D97-AF65-F5344CB8AC3E}">
